--- a/M&S Practicum_PP_103018_BN.pptx
+++ b/M&S Practicum_PP_103018_BN.pptx
@@ -946,7 +946,7 @@
         </p:nvSpPr>
         <p:spPr>
           <a:xfrm>
-            <a:off x="381300" y="685800"/>
+            <a:off x="381000" y="685800"/>
             <a:ext cx="6096000" cy="3429000"/>
           </a:xfrm>
           <a:custGeom>
@@ -7271,7 +7271,7 @@
               <a:buChar char="●"/>
             </a:pPr>
             <a:r>
-              <a:rPr lang="en" sz="1600">
+              <a:rPr lang="en" sz="1600" dirty="0">
                 <a:latin typeface="Times New Roman"/>
                 <a:ea typeface="Times New Roman"/>
                 <a:cs typeface="Times New Roman"/>
@@ -7279,7 +7279,7 @@
               </a:rPr>
               <a:t>Image References:</a:t>
             </a:r>
-            <a:endParaRPr sz="1600">
+            <a:endParaRPr sz="1600" dirty="0">
               <a:latin typeface="Times New Roman"/>
               <a:ea typeface="Times New Roman"/>
               <a:cs typeface="Times New Roman"/>
@@ -7299,7 +7299,7 @@
               <a:buChar char="○"/>
             </a:pPr>
             <a:r>
-              <a:rPr lang="en" sz="1600" u="sng">
+              <a:rPr lang="en" sz="1600" u="sng" dirty="0">
                 <a:solidFill>
                   <a:schemeClr val="hlink"/>
                 </a:solidFill>
@@ -7311,7 +7311,7 @@
               </a:rPr>
               <a:t>http://news.mit.edu/2013/humans-robots-interaction-cross-training-0211</a:t>
             </a:r>
-            <a:endParaRPr sz="1600">
+            <a:endParaRPr sz="1600" dirty="0">
               <a:latin typeface="Times New Roman"/>
               <a:ea typeface="Times New Roman"/>
               <a:cs typeface="Times New Roman"/>
@@ -7331,7 +7331,7 @@
               <a:buChar char="○"/>
             </a:pPr>
             <a:r>
-              <a:rPr lang="en" sz="1600" u="sng">
+              <a:rPr lang="en" sz="1600" u="sng" dirty="0">
                 <a:solidFill>
                   <a:schemeClr val="hlink"/>
                 </a:solidFill>
@@ -7343,7 +7343,7 @@
               </a:rPr>
               <a:t>https://github.com/krman009/Octodex-Images-Links</a:t>
             </a:r>
-            <a:endParaRPr sz="1600">
+            <a:endParaRPr sz="1600" dirty="0">
               <a:latin typeface="Times New Roman"/>
               <a:ea typeface="Times New Roman"/>
               <a:cs typeface="Times New Roman"/>
@@ -7363,7 +7363,7 @@
               <a:buChar char="○"/>
             </a:pPr>
             <a:r>
-              <a:rPr lang="en" sz="1600" u="sng">
+              <a:rPr lang="en" sz="1600" u="sng" dirty="0">
                 <a:solidFill>
                   <a:schemeClr val="hlink"/>
                 </a:solidFill>
@@ -7376,7 +7376,7 @@
               <a:t>https://www.google.com/search?tbm=isch&amp;q=github+kitty&amp;chips=q:github+kitty,g_1:octocat&amp;usg=AI4_-kQqGakIm54gESFuomELJt-9IyMmgg&amp;sa=X&amp;ved=0ahUKEwilxe_x-azeAhUwh-AKHWtaBAYQ4lYIKygB&amp;biw=1169&amp;bih=647&amp;dpr=2#imgrc=jwqWNATuXr5CbM</a:t>
             </a:r>
             <a:r>
-              <a:rPr lang="en" sz="1600">
+              <a:rPr lang="en" sz="1600" dirty="0">
                 <a:latin typeface="Times New Roman"/>
                 <a:ea typeface="Times New Roman"/>
                 <a:cs typeface="Times New Roman"/>
@@ -7384,7 +7384,7 @@
               </a:rPr>
               <a:t>:</a:t>
             </a:r>
-            <a:endParaRPr sz="1600">
+            <a:endParaRPr sz="1600" dirty="0">
               <a:latin typeface="Times New Roman"/>
               <a:ea typeface="Times New Roman"/>
               <a:cs typeface="Times New Roman"/>
@@ -7392,59 +7392,59 @@
             </a:endParaRPr>
           </a:p>
           <a:p>
-            <a:pPr marL="457200" lvl="0" indent="-330200" algn="l" rtl="0">
-              <a:spcBef>
-                <a:spcPts val="0"/>
-              </a:spcBef>
-              <a:spcAft>
-                <a:spcPts val="0"/>
-              </a:spcAft>
-              <a:buClr>
-                <a:schemeClr val="dk1"/>
-              </a:buClr>
-              <a:buSzPts val="1600"/>
-              <a:buFont typeface="Times New Roman"/>
-              <a:buChar char="●"/>
-            </a:pPr>
             <a:r>
-              <a:rPr lang="en" sz="1600">
-                <a:solidFill>
-                  <a:schemeClr val="dk1"/>
-                </a:solidFill>
+              <a:rPr lang="en-US" sz="1600" dirty="0" err="1">
                 <a:highlight>
                   <a:srgbClr val="FFFFFF"/>
                 </a:highlight>
-                <a:latin typeface="Times New Roman"/>
-                <a:ea typeface="Times New Roman"/>
-                <a:cs typeface="Times New Roman"/>
-                <a:sym typeface="Times New Roman"/>
+                <a:latin typeface="Times New Roman" panose="02020603050405020304" pitchFamily="18" charset="0"/>
+                <a:cs typeface="Times New Roman" panose="02020603050405020304" pitchFamily="18" charset="0"/>
               </a:rPr>
-              <a:t>Attitudes toward unreliable diagnostic aiding in dangerous task environments. Faerevaag, C. L., Nguyen, B. A., Jimenez, C. A., &amp; Jentsch, F. University of Central Florida</a:t>
+              <a:t>Faerevaag</a:t>
             </a:r>
-            <a:endParaRPr sz="1600">
-              <a:solidFill>
-                <a:schemeClr val="dk1"/>
-              </a:solidFill>
-              <a:highlight>
-                <a:srgbClr val="FFFFFF"/>
-              </a:highlight>
-              <a:latin typeface="Times New Roman"/>
-              <a:ea typeface="Times New Roman"/>
-              <a:cs typeface="Times New Roman"/>
-              <a:sym typeface="Times New Roman"/>
-            </a:endParaRPr>
+            <a:r>
+              <a:rPr lang="en-US" sz="1600" dirty="0">
+                <a:highlight>
+                  <a:srgbClr val="FFFFFF"/>
+                </a:highlight>
+                <a:latin typeface="Times New Roman" panose="02020603050405020304" pitchFamily="18" charset="0"/>
+                <a:cs typeface="Times New Roman" panose="02020603050405020304" pitchFamily="18" charset="0"/>
+              </a:rPr>
+              <a:t>, C. L., Nguyen, B. A., Jimenez, C. A., Jentsch, F. (accepted). Attitudes toward unreliable diagnostic aiding in dangerous task environments. In </a:t>
+            </a:r>
+            <a:r>
+              <a:rPr lang="en-US" sz="1600" i="1" dirty="0">
+                <a:highlight>
+                  <a:srgbClr val="FFFFFF"/>
+                </a:highlight>
+                <a:latin typeface="Times New Roman" panose="02020603050405020304" pitchFamily="18" charset="0"/>
+                <a:cs typeface="Times New Roman" panose="02020603050405020304" pitchFamily="18" charset="0"/>
+              </a:rPr>
+              <a:t>Proceedings of the Annual Meeting of the Human Factors and Ergonomics Society </a:t>
+            </a:r>
+            <a:r>
+              <a:rPr lang="en-US" sz="1600" dirty="0">
+                <a:highlight>
+                  <a:srgbClr val="FFFFFF"/>
+                </a:highlight>
+                <a:latin typeface="Times New Roman" panose="02020603050405020304" pitchFamily="18" charset="0"/>
+                <a:cs typeface="Times New Roman" panose="02020603050405020304" pitchFamily="18" charset="0"/>
+              </a:rPr>
+              <a:t>(Vol. 61). Los Angeles, CA: SAGE Publications.</a:t>
+            </a:r>
           </a:p>
           <a:p>
-            <a:pPr marL="0" lvl="0" indent="0" algn="l" rtl="0">
-              <a:spcBef>
-                <a:spcPts val="1200"/>
-              </a:spcBef>
-              <a:spcAft>
-                <a:spcPts val="1600"/>
-              </a:spcAft>
+            <a:pPr marL="114300" indent="0">
               <a:buNone/>
             </a:pPr>
-            <a:endParaRPr sz="1600"/>
+            <a:br>
+              <a:rPr lang="en-US" sz="1600" dirty="0">
+                <a:highlight>
+                  <a:srgbClr val="FFFFFF"/>
+                </a:highlight>
+              </a:rPr>
+            </a:br>
+            <a:endParaRPr sz="1600" dirty="0"/>
           </a:p>
         </p:txBody>
       </p:sp>

--- a/M&S Practicum_PP_103018_BN.pptx
+++ b/M&S Practicum_PP_103018_BN.pptx
@@ -1050,7 +1050,7 @@
         </p:nvSpPr>
         <p:spPr>
           <a:xfrm>
-            <a:off x="381300" y="685800"/>
+            <a:off x="381000" y="685800"/>
             <a:ext cx="6096000" cy="3429000"/>
           </a:xfrm>
           <a:custGeom>
@@ -7543,22 +7543,15 @@
           </a:bodyPr>
           <a:lstStyle/>
           <a:p>
-            <a:pPr marL="0" lvl="0" indent="0" algn="l" rtl="0">
-              <a:spcBef>
-                <a:spcPts val="0"/>
-              </a:spcBef>
-              <a:spcAft>
-                <a:spcPts val="0"/>
-              </a:spcAft>
+            <a:pPr marL="0" indent="0">
               <a:buClr>
                 <a:schemeClr val="dk1"/>
               </a:buClr>
               <a:buSzPts val="1100"/>
-              <a:buFont typeface="Arial"/>
               <a:buNone/>
             </a:pPr>
             <a:r>
-              <a:rPr lang="en" sz="2000">
+              <a:rPr lang="en" sz="2000" dirty="0">
                 <a:solidFill>
                   <a:schemeClr val="dk1"/>
                 </a:solidFill>
@@ -7567,9 +7560,51 @@
                 <a:cs typeface="Times New Roman"/>
                 <a:sym typeface="Times New Roman"/>
               </a:rPr>
-              <a:t>In HRI, the aspect of reliability is important to take into consideration when seeking research advancements in such complex teaming. Previous research regarding reliability refers to a reliability threshold. When diagnostic aiding technology falls below 70% reliability, it is seen as not useful, and will negatively affect overall task performance. The reliability threshold is based on tasks humans are capable of performing without needing help from such technologies. </a:t>
+              <a:t>In HRI, the aspect of reliability is important to take into consideration when seeking research advancements in such complex teaming. Previous research regarding reliability refers to a reliability threshold. When diagnostic aiding technology falls below 70% reliability, it is seen as not useful, and will negatively affect overall task performance (</a:t>
             </a:r>
-            <a:endParaRPr sz="2000">
+            <a:r>
+              <a:rPr lang="en" sz="2000" dirty="0" err="1">
+                <a:solidFill>
+                  <a:schemeClr val="dk1"/>
+                </a:solidFill>
+                <a:latin typeface="Times New Roman"/>
+                <a:ea typeface="Times New Roman"/>
+                <a:cs typeface="Times New Roman"/>
+                <a:sym typeface="Times New Roman"/>
+              </a:rPr>
+              <a:t>Wickens</a:t>
+            </a:r>
+            <a:r>
+              <a:rPr lang="en" sz="2000" dirty="0">
+                <a:solidFill>
+                  <a:schemeClr val="dk1"/>
+                </a:solidFill>
+                <a:latin typeface="Times New Roman"/>
+                <a:ea typeface="Times New Roman"/>
+                <a:cs typeface="Times New Roman"/>
+                <a:sym typeface="Times New Roman"/>
+              </a:rPr>
+              <a:t> &amp; Dixon, 2007).</a:t>
+            </a:r>
+            <a:r>
+              <a:rPr lang="en-US" sz="2000" dirty="0">
+                <a:ea typeface="Times New Roman"/>
+              </a:rPr>
+              <a:t> </a:t>
+            </a:r>
+            <a:r>
+              <a:rPr lang="en" sz="2000" dirty="0">
+                <a:solidFill>
+                  <a:schemeClr val="dk1"/>
+                </a:solidFill>
+                <a:latin typeface="Times New Roman"/>
+                <a:ea typeface="Times New Roman"/>
+                <a:cs typeface="Times New Roman"/>
+                <a:sym typeface="Times New Roman"/>
+              </a:rPr>
+              <a:t>The reliability threshold is based on tasks humans are capable of performing without needing help from such technologies. </a:t>
+            </a:r>
+            <a:endParaRPr sz="2000" dirty="0">
               <a:latin typeface="Times New Roman"/>
               <a:ea typeface="Times New Roman"/>
               <a:cs typeface="Times New Roman"/>

--- a/M&S Practicum_PP_103018_BN.pptx
+++ b/M&S Practicum_PP_103018_BN.pptx
@@ -738,8 +738,8 @@
         </p:nvSpPr>
         <p:spPr>
           <a:xfrm>
-            <a:off x="381300" y="685800"/>
-            <a:ext cx="6096075" cy="3429000"/>
+            <a:off x="381000" y="685800"/>
+            <a:ext cx="6096000" cy="3429000"/>
           </a:xfrm>
           <a:custGeom>
             <a:avLst/>
@@ -946,7 +946,7 @@
         </p:nvSpPr>
         <p:spPr>
           <a:xfrm>
-            <a:off x="381000" y="685800"/>
+            <a:off x="381300" y="685800"/>
             <a:ext cx="6096000" cy="3429000"/>
           </a:xfrm>
           <a:custGeom>
@@ -1050,7 +1050,7 @@
         </p:nvSpPr>
         <p:spPr>
           <a:xfrm>
-            <a:off x="381000" y="685800"/>
+            <a:off x="381300" y="685800"/>
             <a:ext cx="6096000" cy="3429000"/>
           </a:xfrm>
           <a:custGeom>
@@ -6636,25 +6636,17 @@
           </a:bodyPr>
           <a:lstStyle/>
           <a:p>
-            <a:pPr marL="0" lvl="0" indent="0" algn="ctr" rtl="0">
-              <a:spcBef>
-                <a:spcPts val="0"/>
-              </a:spcBef>
-              <a:spcAft>
-                <a:spcPts val="0"/>
-              </a:spcAft>
-              <a:buNone/>
-            </a:pPr>
+            <a:pPr lvl="0"/>
             <a:r>
-              <a:rPr lang="en" sz="3600">
+              <a:rPr lang="en-US" sz="3600">
                 <a:latin typeface="Times New Roman"/>
                 <a:ea typeface="Times New Roman"/>
                 <a:cs typeface="Times New Roman"/>
                 <a:sym typeface="Times New Roman"/>
               </a:rPr>
-              <a:t>Human-Robot Interaction (HRI): Trust in Diagnostic Aiding Automation</a:t>
+              <a:t> Human Robot Interaction (HRI): Trust and Reliance in Diagnostic Aiding Automation</a:t>
             </a:r>
-            <a:endParaRPr sz="3600">
+            <a:endParaRPr sz="3600" dirty="0">
               <a:latin typeface="Times New Roman"/>
               <a:ea typeface="Times New Roman"/>
               <a:cs typeface="Times New Roman"/>
@@ -7271,7 +7263,7 @@
               <a:buChar char="●"/>
             </a:pPr>
             <a:r>
-              <a:rPr lang="en" sz="1600" dirty="0">
+              <a:rPr lang="en" sz="1600">
                 <a:latin typeface="Times New Roman"/>
                 <a:ea typeface="Times New Roman"/>
                 <a:cs typeface="Times New Roman"/>
@@ -7279,7 +7271,7 @@
               </a:rPr>
               <a:t>Image References:</a:t>
             </a:r>
-            <a:endParaRPr sz="1600" dirty="0">
+            <a:endParaRPr sz="1600">
               <a:latin typeface="Times New Roman"/>
               <a:ea typeface="Times New Roman"/>
               <a:cs typeface="Times New Roman"/>
@@ -7299,7 +7291,7 @@
               <a:buChar char="○"/>
             </a:pPr>
             <a:r>
-              <a:rPr lang="en" sz="1600" u="sng" dirty="0">
+              <a:rPr lang="en" sz="1600" u="sng">
                 <a:solidFill>
                   <a:schemeClr val="hlink"/>
                 </a:solidFill>
@@ -7311,7 +7303,7 @@
               </a:rPr>
               <a:t>http://news.mit.edu/2013/humans-robots-interaction-cross-training-0211</a:t>
             </a:r>
-            <a:endParaRPr sz="1600" dirty="0">
+            <a:endParaRPr sz="1600">
               <a:latin typeface="Times New Roman"/>
               <a:ea typeface="Times New Roman"/>
               <a:cs typeface="Times New Roman"/>
@@ -7331,7 +7323,7 @@
               <a:buChar char="○"/>
             </a:pPr>
             <a:r>
-              <a:rPr lang="en" sz="1600" u="sng" dirty="0">
+              <a:rPr lang="en" sz="1600" u="sng">
                 <a:solidFill>
                   <a:schemeClr val="hlink"/>
                 </a:solidFill>
@@ -7343,7 +7335,7 @@
               </a:rPr>
               <a:t>https://github.com/krman009/Octodex-Images-Links</a:t>
             </a:r>
-            <a:endParaRPr sz="1600" dirty="0">
+            <a:endParaRPr sz="1600">
               <a:latin typeface="Times New Roman"/>
               <a:ea typeface="Times New Roman"/>
               <a:cs typeface="Times New Roman"/>
@@ -7363,7 +7355,7 @@
               <a:buChar char="○"/>
             </a:pPr>
             <a:r>
-              <a:rPr lang="en" sz="1600" u="sng" dirty="0">
+              <a:rPr lang="en" sz="1600" u="sng">
                 <a:solidFill>
                   <a:schemeClr val="hlink"/>
                 </a:solidFill>
@@ -7376,7 +7368,7 @@
               <a:t>https://www.google.com/search?tbm=isch&amp;q=github+kitty&amp;chips=q:github+kitty,g_1:octocat&amp;usg=AI4_-kQqGakIm54gESFuomELJt-9IyMmgg&amp;sa=X&amp;ved=0ahUKEwilxe_x-azeAhUwh-AKHWtaBAYQ4lYIKygB&amp;biw=1169&amp;bih=647&amp;dpr=2#imgrc=jwqWNATuXr5CbM</a:t>
             </a:r>
             <a:r>
-              <a:rPr lang="en" sz="1600" dirty="0">
+              <a:rPr lang="en" sz="1600">
                 <a:latin typeface="Times New Roman"/>
                 <a:ea typeface="Times New Roman"/>
                 <a:cs typeface="Times New Roman"/>
@@ -7384,7 +7376,7 @@
               </a:rPr>
               <a:t>:</a:t>
             </a:r>
-            <a:endParaRPr sz="1600" dirty="0">
+            <a:endParaRPr sz="1600">
               <a:latin typeface="Times New Roman"/>
               <a:ea typeface="Times New Roman"/>
               <a:cs typeface="Times New Roman"/>
@@ -7392,52 +7384,59 @@
             </a:endParaRPr>
           </a:p>
           <a:p>
+            <a:pPr marL="457200" lvl="0" indent="-330200" algn="l" rtl="0">
+              <a:spcBef>
+                <a:spcPts val="0"/>
+              </a:spcBef>
+              <a:spcAft>
+                <a:spcPts val="0"/>
+              </a:spcAft>
+              <a:buClr>
+                <a:schemeClr val="dk1"/>
+              </a:buClr>
+              <a:buSzPts val="1600"/>
+              <a:buFont typeface="Times New Roman"/>
+              <a:buChar char="●"/>
+            </a:pPr>
             <a:r>
-              <a:rPr lang="en-US" sz="1600" dirty="0" err="1">
+              <a:rPr lang="en" sz="1600">
+                <a:solidFill>
+                  <a:schemeClr val="dk1"/>
+                </a:solidFill>
                 <a:highlight>
                   <a:srgbClr val="FFFFFF"/>
                 </a:highlight>
-                <a:latin typeface="Times New Roman" panose="02020603050405020304" pitchFamily="18" charset="0"/>
-                <a:cs typeface="Times New Roman" panose="02020603050405020304" pitchFamily="18" charset="0"/>
+                <a:latin typeface="Times New Roman"/>
+                <a:ea typeface="Times New Roman"/>
+                <a:cs typeface="Times New Roman"/>
+                <a:sym typeface="Times New Roman"/>
               </a:rPr>
-              <a:t>Faerevaag</a:t>
+              <a:t>Attitudes toward unreliable diagnostic aiding in dangerous task environments. Faerevaag, C. L., Nguyen, B. A., Jimenez, C. A., &amp; Jentsch, F. University of Central Florida</a:t>
             </a:r>
-            <a:r>
-              <a:rPr lang="en-US" sz="1600" dirty="0">
-                <a:highlight>
-                  <a:srgbClr val="FFFFFF"/>
-                </a:highlight>
-                <a:latin typeface="Times New Roman" panose="02020603050405020304" pitchFamily="18" charset="0"/>
-                <a:cs typeface="Times New Roman" panose="02020603050405020304" pitchFamily="18" charset="0"/>
-              </a:rPr>
-              <a:t>, C. L., Nguyen, B. A., Jimenez, C. A., Jentsch, F. (2017). Attitudes toward unreliable diagnostic aiding in dangerous task environments. In </a:t>
-            </a:r>
-            <a:r>
-              <a:rPr lang="en-US" sz="1600" i="1" dirty="0">
-                <a:highlight>
-                  <a:srgbClr val="FFFFFF"/>
-                </a:highlight>
-                <a:latin typeface="Times New Roman" panose="02020603050405020304" pitchFamily="18" charset="0"/>
-                <a:cs typeface="Times New Roman" panose="02020603050405020304" pitchFamily="18" charset="0"/>
-              </a:rPr>
-              <a:t>Proceedings of the Annual Meeting of the Human Factors and Ergonomics Society </a:t>
-            </a:r>
-            <a:r>
-              <a:rPr lang="en-US" sz="1600" dirty="0">
-                <a:highlight>
-                  <a:srgbClr val="FFFFFF"/>
-                </a:highlight>
-                <a:latin typeface="Times New Roman" panose="02020603050405020304" pitchFamily="18" charset="0"/>
-                <a:cs typeface="Times New Roman" panose="02020603050405020304" pitchFamily="18" charset="0"/>
-              </a:rPr>
-              <a:t>(Vol. 61). Los Angeles, CA: SAGE Publications.</a:t>
-            </a:r>
+            <a:endParaRPr sz="1600">
+              <a:solidFill>
+                <a:schemeClr val="dk1"/>
+              </a:solidFill>
+              <a:highlight>
+                <a:srgbClr val="FFFFFF"/>
+              </a:highlight>
+              <a:latin typeface="Times New Roman"/>
+              <a:ea typeface="Times New Roman"/>
+              <a:cs typeface="Times New Roman"/>
+              <a:sym typeface="Times New Roman"/>
+            </a:endParaRPr>
           </a:p>
           <a:p>
-            <a:pPr marL="114300" indent="0">
+            <a:pPr marL="0" lvl="0" indent="0" algn="l" rtl="0">
+              <a:spcBef>
+                <a:spcPts val="1200"/>
+              </a:spcBef>
+              <a:spcAft>
+                <a:spcPts val="1600"/>
+              </a:spcAft>
               <a:buNone/>
             </a:pPr>
-            <a:endParaRPr sz="1600" dirty="0"/>
+            <a:endParaRPr sz="1600"/>
           </a:p>
         </p:txBody>
       </p:sp>
@@ -7543,15 +7542,22 @@
           </a:bodyPr>
           <a:lstStyle/>
           <a:p>
-            <a:pPr marL="0" indent="0">
+            <a:pPr marL="0" lvl="0" indent="0" algn="l" rtl="0">
+              <a:spcBef>
+                <a:spcPts val="0"/>
+              </a:spcBef>
+              <a:spcAft>
+                <a:spcPts val="0"/>
+              </a:spcAft>
               <a:buClr>
                 <a:schemeClr val="dk1"/>
               </a:buClr>
               <a:buSzPts val="1100"/>
+              <a:buFont typeface="Arial"/>
               <a:buNone/>
             </a:pPr>
             <a:r>
-              <a:rPr lang="en" sz="2000" dirty="0">
+              <a:rPr lang="en" sz="2000">
                 <a:solidFill>
                   <a:schemeClr val="dk1"/>
                 </a:solidFill>
@@ -7560,51 +7566,9 @@
                 <a:cs typeface="Times New Roman"/>
                 <a:sym typeface="Times New Roman"/>
               </a:rPr>
-              <a:t>In HRI, the aspect of reliability is important to take into consideration when seeking research advancements in such complex teaming. Previous research regarding reliability refers to a reliability threshold. When diagnostic aiding technology falls below 70% reliability, it is seen as not useful, and will negatively affect overall task performance (</a:t>
+              <a:t>In HRI, the aspect of reliability is important to take into consideration when seeking research advancements in such complex teaming. Previous research regarding reliability refers to a reliability threshold. When diagnostic aiding technology falls below 70% reliability, it is seen as not useful, and will negatively affect overall task performance. The reliability threshold is based on tasks humans are capable of performing without needing help from such technologies. </a:t>
             </a:r>
-            <a:r>
-              <a:rPr lang="en" sz="2000" dirty="0" err="1">
-                <a:solidFill>
-                  <a:schemeClr val="dk1"/>
-                </a:solidFill>
-                <a:latin typeface="Times New Roman"/>
-                <a:ea typeface="Times New Roman"/>
-                <a:cs typeface="Times New Roman"/>
-                <a:sym typeface="Times New Roman"/>
-              </a:rPr>
-              <a:t>Wickens</a:t>
-            </a:r>
-            <a:r>
-              <a:rPr lang="en" sz="2000" dirty="0">
-                <a:solidFill>
-                  <a:schemeClr val="dk1"/>
-                </a:solidFill>
-                <a:latin typeface="Times New Roman"/>
-                <a:ea typeface="Times New Roman"/>
-                <a:cs typeface="Times New Roman"/>
-                <a:sym typeface="Times New Roman"/>
-              </a:rPr>
-              <a:t> &amp; Dixon, 2007).</a:t>
-            </a:r>
-            <a:r>
-              <a:rPr lang="en-US" sz="2000" dirty="0">
-                <a:ea typeface="Times New Roman"/>
-              </a:rPr>
-              <a:t> </a:t>
-            </a:r>
-            <a:r>
-              <a:rPr lang="en" sz="2000" dirty="0">
-                <a:solidFill>
-                  <a:schemeClr val="dk1"/>
-                </a:solidFill>
-                <a:latin typeface="Times New Roman"/>
-                <a:ea typeface="Times New Roman"/>
-                <a:cs typeface="Times New Roman"/>
-                <a:sym typeface="Times New Roman"/>
-              </a:rPr>
-              <a:t>The reliability threshold is based on tasks humans are capable of performing without needing help from such technologies. </a:t>
-            </a:r>
-            <a:endParaRPr sz="2000" dirty="0">
+            <a:endParaRPr sz="2000">
               <a:latin typeface="Times New Roman"/>
               <a:ea typeface="Times New Roman"/>
               <a:cs typeface="Times New Roman"/>
